--- a/05-Arrays.pptx
+++ b/05-Arrays.pptx
@@ -238,7 +238,7 @@
           <a:p>
             <a:fld id="{1A052DDE-B79B-4585-97B6-DCDE6083B029}" type="datetimeFigureOut">
               <a:rPr lang="bg-BG" smtClean="0"/>
-              <a:t>13.5.2015 г.</a:t>
+              <a:t>15.5.2015 г.</a:t>
             </a:fld>
             <a:endParaRPr lang="bg-BG"/>
           </a:p>
@@ -1107,7 +1107,7 @@
           <a:p>
             <a:fld id="{3EA744D9-3FBE-48D8-BF2A-85DF203E4D20}" type="datetimeFigureOut">
               <a:rPr lang="bg-BG" smtClean="0"/>
-              <a:t>13.5.2015 г.</a:t>
+              <a:t>15.5.2015 г.</a:t>
             </a:fld>
             <a:endParaRPr lang="bg-BG"/>
           </a:p>
@@ -1277,7 +1277,7 @@
           <a:p>
             <a:fld id="{3EA744D9-3FBE-48D8-BF2A-85DF203E4D20}" type="datetimeFigureOut">
               <a:rPr lang="bg-BG" smtClean="0"/>
-              <a:t>13.5.2015 г.</a:t>
+              <a:t>15.5.2015 г.</a:t>
             </a:fld>
             <a:endParaRPr lang="bg-BG"/>
           </a:p>
@@ -1457,7 +1457,7 @@
           <a:p>
             <a:fld id="{3EA744D9-3FBE-48D8-BF2A-85DF203E4D20}" type="datetimeFigureOut">
               <a:rPr lang="bg-BG" smtClean="0"/>
-              <a:t>13.5.2015 г.</a:t>
+              <a:t>15.5.2015 г.</a:t>
             </a:fld>
             <a:endParaRPr lang="bg-BG"/>
           </a:p>
@@ -1627,7 +1627,7 @@
           <a:p>
             <a:fld id="{3EA744D9-3FBE-48D8-BF2A-85DF203E4D20}" type="datetimeFigureOut">
               <a:rPr lang="bg-BG" smtClean="0"/>
-              <a:t>13.5.2015 г.</a:t>
+              <a:t>15.5.2015 г.</a:t>
             </a:fld>
             <a:endParaRPr lang="bg-BG"/>
           </a:p>
@@ -1873,7 +1873,7 @@
           <a:p>
             <a:fld id="{3EA744D9-3FBE-48D8-BF2A-85DF203E4D20}" type="datetimeFigureOut">
               <a:rPr lang="bg-BG" smtClean="0"/>
-              <a:t>13.5.2015 г.</a:t>
+              <a:t>15.5.2015 г.</a:t>
             </a:fld>
             <a:endParaRPr lang="bg-BG"/>
           </a:p>
@@ -2161,7 +2161,7 @@
           <a:p>
             <a:fld id="{3EA744D9-3FBE-48D8-BF2A-85DF203E4D20}" type="datetimeFigureOut">
               <a:rPr lang="bg-BG" smtClean="0"/>
-              <a:t>13.5.2015 г.</a:t>
+              <a:t>15.5.2015 г.</a:t>
             </a:fld>
             <a:endParaRPr lang="bg-BG"/>
           </a:p>
@@ -2583,7 +2583,7 @@
           <a:p>
             <a:fld id="{3EA744D9-3FBE-48D8-BF2A-85DF203E4D20}" type="datetimeFigureOut">
               <a:rPr lang="bg-BG" smtClean="0"/>
-              <a:t>13.5.2015 г.</a:t>
+              <a:t>15.5.2015 г.</a:t>
             </a:fld>
             <a:endParaRPr lang="bg-BG"/>
           </a:p>
@@ -2701,7 +2701,7 @@
           <a:p>
             <a:fld id="{3EA744D9-3FBE-48D8-BF2A-85DF203E4D20}" type="datetimeFigureOut">
               <a:rPr lang="bg-BG" smtClean="0"/>
-              <a:t>13.5.2015 г.</a:t>
+              <a:t>15.5.2015 г.</a:t>
             </a:fld>
             <a:endParaRPr lang="bg-BG"/>
           </a:p>
@@ -2796,7 +2796,7 @@
           <a:p>
             <a:fld id="{3EA744D9-3FBE-48D8-BF2A-85DF203E4D20}" type="datetimeFigureOut">
               <a:rPr lang="bg-BG" smtClean="0"/>
-              <a:t>13.5.2015 г.</a:t>
+              <a:t>15.5.2015 г.</a:t>
             </a:fld>
             <a:endParaRPr lang="bg-BG"/>
           </a:p>
@@ -3073,7 +3073,7 @@
           <a:p>
             <a:fld id="{3EA744D9-3FBE-48D8-BF2A-85DF203E4D20}" type="datetimeFigureOut">
               <a:rPr lang="bg-BG" smtClean="0"/>
-              <a:t>13.5.2015 г.</a:t>
+              <a:t>15.5.2015 г.</a:t>
             </a:fld>
             <a:endParaRPr lang="bg-BG"/>
           </a:p>
@@ -3326,7 +3326,7 @@
           <a:p>
             <a:fld id="{3EA744D9-3FBE-48D8-BF2A-85DF203E4D20}" type="datetimeFigureOut">
               <a:rPr lang="bg-BG" smtClean="0"/>
-              <a:t>13.5.2015 г.</a:t>
+              <a:t>15.5.2015 г.</a:t>
             </a:fld>
             <a:endParaRPr lang="bg-BG"/>
           </a:p>
@@ -3548,7 +3548,7 @@
           <a:p>
             <a:fld id="{3EA744D9-3FBE-48D8-BF2A-85DF203E4D20}" type="datetimeFigureOut">
               <a:rPr lang="bg-BG" smtClean="0"/>
-              <a:t>13.5.2015 г.</a:t>
+              <a:t>15.5.2015 г.</a:t>
             </a:fld>
             <a:endParaRPr lang="bg-BG"/>
           </a:p>
@@ -5642,7 +5642,17 @@
                   </a:schemeClr>
                 </a:solidFill>
               </a:rPr>
-              <a:t>float</a:t>
+              <a:t>float[,] </a:t>
+            </a:r>
+            <a:r>
+              <a:rPr lang="en-US" dirty="0" err="1" smtClean="0">
+                <a:solidFill>
+                  <a:schemeClr val="bg1">
+                    <a:lumMod val="95000"/>
+                  </a:schemeClr>
+                </a:solidFill>
+              </a:rPr>
+              <a:t>floatMatrix</a:t>
             </a:r>
             <a:r>
               <a:rPr lang="en-US" dirty="0" smtClean="0">
@@ -5652,18 +5662,13 @@
                   </a:schemeClr>
                 </a:solidFill>
               </a:rPr>
-              <a:t>[,] </a:t>
-            </a:r>
-            <a:r>
-              <a:rPr lang="en-US" dirty="0" err="1" smtClean="0">
-                <a:solidFill>
-                  <a:schemeClr val="bg1">
-                    <a:lumMod val="95000"/>
-                  </a:schemeClr>
-                </a:solidFill>
-              </a:rPr>
-              <a:t>floatMatrix</a:t>
-            </a:r>
+              <a:t>;</a:t>
+            </a:r>
+          </a:p>
+          <a:p>
+            <a:pPr marL="0" indent="0">
+              <a:buNone/>
+            </a:pPr>
             <a:r>
               <a:rPr lang="en-US" dirty="0" smtClean="0">
                 <a:solidFill>
@@ -5672,32 +5677,7 @@
                   </a:schemeClr>
                 </a:solidFill>
               </a:rPr>
-              <a:t>;</a:t>
-            </a:r>
-          </a:p>
-          <a:p>
-            <a:pPr marL="0" indent="0">
-              <a:buNone/>
-            </a:pPr>
-            <a:r>
-              <a:rPr lang="en-US" dirty="0" smtClean="0">
-                <a:solidFill>
-                  <a:schemeClr val="bg1">
-                    <a:lumMod val="95000"/>
-                  </a:schemeClr>
-                </a:solidFill>
-              </a:rPr>
-              <a:t>String</a:t>
-            </a:r>
-            <a:r>
-              <a:rPr lang="en-US" dirty="0" smtClean="0">
-                <a:solidFill>
-                  <a:schemeClr val="bg1">
-                    <a:lumMod val="95000"/>
-                  </a:schemeClr>
-                </a:solidFill>
-              </a:rPr>
-              <a:t>[,,] </a:t>
+              <a:t>String[,,] </a:t>
             </a:r>
             <a:r>
               <a:rPr lang="en-US" dirty="0" err="1" smtClean="0">
@@ -5884,7 +5864,41 @@
                   </a:schemeClr>
                 </a:solidFill>
               </a:rPr>
-              <a:t> = {</a:t>
+              <a:t> = </a:t>
+            </a:r>
+            <a:r>
+              <a:rPr lang="en-US" dirty="0">
+                <a:solidFill>
+                  <a:schemeClr val="bg1"/>
+                </a:solidFill>
+              </a:rPr>
+              <a:t>new </a:t>
+            </a:r>
+            <a:r>
+              <a:rPr lang="en-US" dirty="0" err="1">
+                <a:solidFill>
+                  <a:schemeClr val="bg1"/>
+                </a:solidFill>
+              </a:rPr>
+              <a:t>int</a:t>
+            </a:r>
+            <a:r>
+              <a:rPr lang="en-US" dirty="0">
+                <a:solidFill>
+                  <a:schemeClr val="bg1"/>
+                </a:solidFill>
+              </a:rPr>
+              <a:t>[,] </a:t>
+            </a:r>
+            <a:r>
+              <a:rPr lang="en-US" dirty="0" smtClean="0">
+                <a:solidFill>
+                  <a:schemeClr val="bg1">
+                    <a:lumMod val="95000"/>
+                  </a:schemeClr>
+                </a:solidFill>
+              </a:rPr>
+              <a:t>{</a:t>
             </a:r>
           </a:p>
           <a:p>
@@ -6135,17 +6149,7 @@
                   </a:schemeClr>
                 </a:solidFill>
               </a:rPr>
-              <a:t>[3,5</a:t>
-            </a:r>
-            <a:r>
-              <a:rPr lang="en-US" sz="2800" dirty="0" smtClean="0">
-                <a:solidFill>
-                  <a:schemeClr val="bg1">
-                    <a:lumMod val="95000"/>
-                  </a:schemeClr>
-                </a:solidFill>
-              </a:rPr>
-              <a:t>];</a:t>
+              <a:t>[3,5];</a:t>
             </a:r>
             <a:endParaRPr lang="en-US" sz="2800" dirty="0">
               <a:solidFill>
@@ -6197,27 +6201,7 @@
                   </a:schemeClr>
                 </a:solidFill>
               </a:rPr>
-              <a:t> = new </a:t>
-            </a:r>
-            <a:r>
-              <a:rPr lang="en-US" sz="2800" dirty="0" smtClean="0">
-                <a:solidFill>
-                  <a:schemeClr val="bg1">
-                    <a:lumMod val="95000"/>
-                  </a:schemeClr>
-                </a:solidFill>
-              </a:rPr>
-              <a:t>float[2,7</a:t>
-            </a:r>
-            <a:r>
-              <a:rPr lang="en-US" sz="2800" dirty="0" smtClean="0">
-                <a:solidFill>
-                  <a:schemeClr val="bg1">
-                    <a:lumMod val="95000"/>
-                  </a:schemeClr>
-                </a:solidFill>
-              </a:rPr>
-              <a:t>];</a:t>
+              <a:t> = new float[2,7];</a:t>
             </a:r>
             <a:endParaRPr lang="en-US" sz="2800" dirty="0">
               <a:solidFill>
@@ -6269,27 +6253,7 @@
                   </a:schemeClr>
                 </a:solidFill>
               </a:rPr>
-              <a:t> = new </a:t>
-            </a:r>
-            <a:r>
-              <a:rPr lang="en-US" sz="2800" dirty="0" smtClean="0">
-                <a:solidFill>
-                  <a:schemeClr val="bg1">
-                    <a:lumMod val="95000"/>
-                  </a:schemeClr>
-                </a:solidFill>
-              </a:rPr>
-              <a:t>String[3,3,3</a:t>
-            </a:r>
-            <a:r>
-              <a:rPr lang="en-US" sz="2800" dirty="0" smtClean="0">
-                <a:solidFill>
-                  <a:schemeClr val="bg1">
-                    <a:lumMod val="95000"/>
-                  </a:schemeClr>
-                </a:solidFill>
-              </a:rPr>
-              <a:t>];</a:t>
+              <a:t> = new String[3,3,3];</a:t>
             </a:r>
             <a:endParaRPr lang="en-US" sz="2800" dirty="0">
               <a:solidFill>
@@ -7354,7 +7318,22 @@
                   </a:schemeClr>
                 </a:solidFill>
               </a:rPr>
-              <a:t>[2,2</a:t>
+              <a:t>[2,2];</a:t>
+            </a:r>
+          </a:p>
+          <a:p>
+            <a:pPr marL="0" indent="0">
+              <a:buNone/>
+            </a:pPr>
+            <a:r>
+              <a:rPr lang="en-US" dirty="0" err="1" smtClean="0">
+                <a:solidFill>
+                  <a:schemeClr val="bg1">
+                    <a:lumMod val="95000"/>
+                  </a:schemeClr>
+                </a:solidFill>
+              </a:rPr>
+              <a:t>ourArray</a:t>
             </a:r>
             <a:r>
               <a:rPr lang="en-US" dirty="0" smtClean="0">
@@ -7364,7 +7343,7 @@
                   </a:schemeClr>
                 </a:solidFill>
               </a:rPr>
-              <a:t>];</a:t>
+              <a:t>[0,0] = 7;</a:t>
             </a:r>
           </a:p>
           <a:p>
@@ -7389,7 +7368,22 @@
                   </a:schemeClr>
                 </a:solidFill>
               </a:rPr>
-              <a:t>[0,0</a:t>
+              <a:t>[0,1] = 1;</a:t>
+            </a:r>
+          </a:p>
+          <a:p>
+            <a:pPr marL="0" indent="0">
+              <a:buNone/>
+            </a:pPr>
+            <a:r>
+              <a:rPr lang="en-US" dirty="0" err="1" smtClean="0">
+                <a:solidFill>
+                  <a:schemeClr val="bg1">
+                    <a:lumMod val="95000"/>
+                  </a:schemeClr>
+                </a:solidFill>
+              </a:rPr>
+              <a:t>ourArray</a:t>
             </a:r>
             <a:r>
               <a:rPr lang="en-US" dirty="0" smtClean="0">
@@ -7399,7 +7393,27 @@
                   </a:schemeClr>
                 </a:solidFill>
               </a:rPr>
-              <a:t>] = 7;</a:t>
+              <a:t>[1,0] </a:t>
+            </a:r>
+            <a:r>
+              <a:rPr lang="en-US" dirty="0">
+                <a:solidFill>
+                  <a:schemeClr val="bg1">
+                    <a:lumMod val="95000"/>
+                  </a:schemeClr>
+                </a:solidFill>
+              </a:rPr>
+              <a:t>= </a:t>
+            </a:r>
+            <a:r>
+              <a:rPr lang="en-US" dirty="0" smtClean="0">
+                <a:solidFill>
+                  <a:schemeClr val="bg1">
+                    <a:lumMod val="95000"/>
+                  </a:schemeClr>
+                </a:solidFill>
+              </a:rPr>
+              <a:t>9;</a:t>
             </a:r>
           </a:p>
           <a:p>
@@ -7424,107 +7438,7 @@
                   </a:schemeClr>
                 </a:solidFill>
               </a:rPr>
-              <a:t>[0,1</a:t>
-            </a:r>
-            <a:r>
-              <a:rPr lang="en-US" dirty="0" smtClean="0">
-                <a:solidFill>
-                  <a:schemeClr val="bg1">
-                    <a:lumMod val="95000"/>
-                  </a:schemeClr>
-                </a:solidFill>
-              </a:rPr>
-              <a:t>] = 1;</a:t>
-            </a:r>
-          </a:p>
-          <a:p>
-            <a:pPr marL="0" indent="0">
-              <a:buNone/>
-            </a:pPr>
-            <a:r>
-              <a:rPr lang="en-US" dirty="0" err="1" smtClean="0">
-                <a:solidFill>
-                  <a:schemeClr val="bg1">
-                    <a:lumMod val="95000"/>
-                  </a:schemeClr>
-                </a:solidFill>
-              </a:rPr>
-              <a:t>ourArray</a:t>
-            </a:r>
-            <a:r>
-              <a:rPr lang="en-US" dirty="0" smtClean="0">
-                <a:solidFill>
-                  <a:schemeClr val="bg1">
-                    <a:lumMod val="95000"/>
-                  </a:schemeClr>
-                </a:solidFill>
-              </a:rPr>
-              <a:t>[1,0</a:t>
-            </a:r>
-            <a:r>
-              <a:rPr lang="en-US" dirty="0" smtClean="0">
-                <a:solidFill>
-                  <a:schemeClr val="bg1">
-                    <a:lumMod val="95000"/>
-                  </a:schemeClr>
-                </a:solidFill>
-              </a:rPr>
-              <a:t>] </a:t>
-            </a:r>
-            <a:r>
-              <a:rPr lang="en-US" dirty="0">
-                <a:solidFill>
-                  <a:schemeClr val="bg1">
-                    <a:lumMod val="95000"/>
-                  </a:schemeClr>
-                </a:solidFill>
-              </a:rPr>
-              <a:t>= </a:t>
-            </a:r>
-            <a:r>
-              <a:rPr lang="en-US" dirty="0" smtClean="0">
-                <a:solidFill>
-                  <a:schemeClr val="bg1">
-                    <a:lumMod val="95000"/>
-                  </a:schemeClr>
-                </a:solidFill>
-              </a:rPr>
-              <a:t>9;</a:t>
-            </a:r>
-          </a:p>
-          <a:p>
-            <a:pPr marL="0" indent="0">
-              <a:buNone/>
-            </a:pPr>
-            <a:r>
-              <a:rPr lang="en-US" dirty="0" err="1" smtClean="0">
-                <a:solidFill>
-                  <a:schemeClr val="bg1">
-                    <a:lumMod val="95000"/>
-                  </a:schemeClr>
-                </a:solidFill>
-              </a:rPr>
-              <a:t>ourArray</a:t>
-            </a:r>
-            <a:r>
-              <a:rPr lang="en-US" dirty="0" smtClean="0">
-                <a:solidFill>
-                  <a:schemeClr val="bg1">
-                    <a:lumMod val="95000"/>
-                  </a:schemeClr>
-                </a:solidFill>
-              </a:rPr>
-              <a:t>[1,1</a:t>
-            </a:r>
-            <a:r>
-              <a:rPr lang="en-US" dirty="0" smtClean="0">
-                <a:solidFill>
-                  <a:schemeClr val="bg1">
-                    <a:lumMod val="95000"/>
-                  </a:schemeClr>
-                </a:solidFill>
-              </a:rPr>
-              <a:t>] </a:t>
+              <a:t>[1,1] </a:t>
             </a:r>
             <a:r>
               <a:rPr lang="en-US" dirty="0">
@@ -7803,7 +7717,22 @@
                   </a:schemeClr>
                 </a:solidFill>
               </a:rPr>
-              <a:t>[0,0</a:t>
+              <a:t>[0,0];</a:t>
+            </a:r>
+          </a:p>
+          <a:p>
+            <a:pPr marL="0" indent="0">
+              <a:buNone/>
+            </a:pPr>
+            <a:r>
+              <a:rPr lang="en-US" dirty="0" err="1" smtClean="0">
+                <a:solidFill>
+                  <a:schemeClr val="bg1">
+                    <a:lumMod val="95000"/>
+                  </a:schemeClr>
+                </a:solidFill>
+              </a:rPr>
+              <a:t>int</a:t>
             </a:r>
             <a:r>
               <a:rPr lang="en-US" dirty="0" smtClean="0">
@@ -7813,7 +7742,47 @@
                   </a:schemeClr>
                 </a:solidFill>
               </a:rPr>
-              <a:t>];</a:t>
+              <a:t> </a:t>
+            </a:r>
+            <a:r>
+              <a:rPr lang="en-US" dirty="0" err="1" smtClean="0">
+                <a:solidFill>
+                  <a:schemeClr val="bg1">
+                    <a:lumMod val="95000"/>
+                  </a:schemeClr>
+                </a:solidFill>
+              </a:rPr>
+              <a:t>zeroOne</a:t>
+            </a:r>
+            <a:r>
+              <a:rPr lang="en-US" dirty="0" smtClean="0">
+                <a:solidFill>
+                  <a:schemeClr val="bg1">
+                    <a:lumMod val="95000"/>
+                  </a:schemeClr>
+                </a:solidFill>
+              </a:rPr>
+              <a:t> = </a:t>
+            </a:r>
+            <a:r>
+              <a:rPr lang="en-US" dirty="0" err="1" smtClean="0">
+                <a:solidFill>
+                  <a:schemeClr val="bg1">
+                    <a:lumMod val="95000"/>
+                  </a:schemeClr>
+                </a:solidFill>
+              </a:rPr>
+              <a:t>ourArray</a:t>
+            </a:r>
+            <a:r>
+              <a:rPr lang="en-US" dirty="0" smtClean="0">
+                <a:solidFill>
+                  <a:schemeClr val="bg1">
+                    <a:lumMod val="95000"/>
+                  </a:schemeClr>
+                </a:solidFill>
+              </a:rPr>
+              <a:t>[0,1];</a:t>
             </a:r>
           </a:p>
           <a:p>
@@ -7848,7 +7817,7 @@
                   </a:schemeClr>
                 </a:solidFill>
               </a:rPr>
-              <a:t>zeroOne</a:t>
+              <a:t>oneZero</a:t>
             </a:r>
             <a:r>
               <a:rPr lang="en-US" dirty="0" smtClean="0">
@@ -7878,7 +7847,22 @@
                   </a:schemeClr>
                 </a:solidFill>
               </a:rPr>
-              <a:t>[0,1</a:t>
+              <a:t>[1,0];</a:t>
+            </a:r>
+          </a:p>
+          <a:p>
+            <a:pPr marL="0" indent="0">
+              <a:buNone/>
+            </a:pPr>
+            <a:r>
+              <a:rPr lang="en-US" dirty="0" err="1" smtClean="0">
+                <a:solidFill>
+                  <a:schemeClr val="bg1">
+                    <a:lumMod val="95000"/>
+                  </a:schemeClr>
+                </a:solidFill>
+              </a:rPr>
+              <a:t>int</a:t>
             </a:r>
             <a:r>
               <a:rPr lang="en-US" dirty="0" smtClean="0">
@@ -7888,13 +7872,8 @@
                   </a:schemeClr>
                 </a:solidFill>
               </a:rPr>
-              <a:t>];</a:t>
-            </a:r>
-          </a:p>
-          <a:p>
-            <a:pPr marL="0" indent="0">
-              <a:buNone/>
-            </a:pPr>
+              <a:t> </a:t>
+            </a:r>
             <a:r>
               <a:rPr lang="en-US" dirty="0" err="1" smtClean="0">
                 <a:solidFill>
@@ -7903,7 +7882,7 @@
                   </a:schemeClr>
                 </a:solidFill>
               </a:rPr>
-              <a:t>int</a:t>
+              <a:t>oneOne</a:t>
             </a:r>
             <a:r>
               <a:rPr lang="en-US" dirty="0" smtClean="0">
@@ -7913,7 +7892,7 @@
                   </a:schemeClr>
                 </a:solidFill>
               </a:rPr>
-              <a:t> </a:t>
+              <a:t> = </a:t>
             </a:r>
             <a:r>
               <a:rPr lang="en-US" dirty="0" err="1" smtClean="0">
@@ -7923,7 +7902,7 @@
                   </a:schemeClr>
                 </a:solidFill>
               </a:rPr>
-              <a:t>oneZero</a:t>
+              <a:t>ourArray</a:t>
             </a:r>
             <a:r>
               <a:rPr lang="en-US" dirty="0" smtClean="0">
@@ -7933,112 +7912,7 @@
                   </a:schemeClr>
                 </a:solidFill>
               </a:rPr>
-              <a:t> = </a:t>
-            </a:r>
-            <a:r>
-              <a:rPr lang="en-US" dirty="0" err="1" smtClean="0">
-                <a:solidFill>
-                  <a:schemeClr val="bg1">
-                    <a:lumMod val="95000"/>
-                  </a:schemeClr>
-                </a:solidFill>
-              </a:rPr>
-              <a:t>ourArray</a:t>
-            </a:r>
-            <a:r>
-              <a:rPr lang="en-US" dirty="0" smtClean="0">
-                <a:solidFill>
-                  <a:schemeClr val="bg1">
-                    <a:lumMod val="95000"/>
-                  </a:schemeClr>
-                </a:solidFill>
-              </a:rPr>
-              <a:t>[1,0</a:t>
-            </a:r>
-            <a:r>
-              <a:rPr lang="en-US" dirty="0" smtClean="0">
-                <a:solidFill>
-                  <a:schemeClr val="bg1">
-                    <a:lumMod val="95000"/>
-                  </a:schemeClr>
-                </a:solidFill>
-              </a:rPr>
-              <a:t>];</a:t>
-            </a:r>
-          </a:p>
-          <a:p>
-            <a:pPr marL="0" indent="0">
-              <a:buNone/>
-            </a:pPr>
-            <a:r>
-              <a:rPr lang="en-US" dirty="0" err="1" smtClean="0">
-                <a:solidFill>
-                  <a:schemeClr val="bg1">
-                    <a:lumMod val="95000"/>
-                  </a:schemeClr>
-                </a:solidFill>
-              </a:rPr>
-              <a:t>int</a:t>
-            </a:r>
-            <a:r>
-              <a:rPr lang="en-US" dirty="0" smtClean="0">
-                <a:solidFill>
-                  <a:schemeClr val="bg1">
-                    <a:lumMod val="95000"/>
-                  </a:schemeClr>
-                </a:solidFill>
-              </a:rPr>
-              <a:t> </a:t>
-            </a:r>
-            <a:r>
-              <a:rPr lang="en-US" dirty="0" err="1" smtClean="0">
-                <a:solidFill>
-                  <a:schemeClr val="bg1">
-                    <a:lumMod val="95000"/>
-                  </a:schemeClr>
-                </a:solidFill>
-              </a:rPr>
-              <a:t>oneOne</a:t>
-            </a:r>
-            <a:r>
-              <a:rPr lang="en-US" dirty="0" smtClean="0">
-                <a:solidFill>
-                  <a:schemeClr val="bg1">
-                    <a:lumMod val="95000"/>
-                  </a:schemeClr>
-                </a:solidFill>
-              </a:rPr>
-              <a:t> = </a:t>
-            </a:r>
-            <a:r>
-              <a:rPr lang="en-US" dirty="0" err="1" smtClean="0">
-                <a:solidFill>
-                  <a:schemeClr val="bg1">
-                    <a:lumMod val="95000"/>
-                  </a:schemeClr>
-                </a:solidFill>
-              </a:rPr>
-              <a:t>ourArray</a:t>
-            </a:r>
-            <a:r>
-              <a:rPr lang="en-US" dirty="0" smtClean="0">
-                <a:solidFill>
-                  <a:schemeClr val="bg1">
-                    <a:lumMod val="95000"/>
-                  </a:schemeClr>
-                </a:solidFill>
-              </a:rPr>
-              <a:t>[1,1</a:t>
-            </a:r>
-            <a:r>
-              <a:rPr lang="en-US" dirty="0" smtClean="0">
-                <a:solidFill>
-                  <a:schemeClr val="bg1">
-                    <a:lumMod val="95000"/>
-                  </a:schemeClr>
-                </a:solidFill>
-              </a:rPr>
-              <a:t>];	</a:t>
+              <a:t>[1,1];	</a:t>
             </a:r>
             <a:endParaRPr lang="ru-RU" dirty="0">
               <a:solidFill>
@@ -8345,7 +8219,17 @@
                   </a:schemeClr>
                 </a:solidFill>
               </a:rPr>
-              <a:t> matrix</a:t>
+              <a:t> matrix[,] = new </a:t>
+            </a:r>
+            <a:r>
+              <a:rPr lang="en-US" dirty="0" err="1" smtClean="0">
+                <a:solidFill>
+                  <a:schemeClr val="bg1">
+                    <a:lumMod val="95000"/>
+                  </a:schemeClr>
+                </a:solidFill>
+              </a:rPr>
+              <a:t>int</a:t>
             </a:r>
             <a:r>
               <a:rPr lang="en-US" dirty="0" smtClean="0">
@@ -8355,37 +8239,7 @@
                   </a:schemeClr>
                 </a:solidFill>
               </a:rPr>
-              <a:t>[,] </a:t>
-            </a:r>
-            <a:r>
-              <a:rPr lang="en-US" dirty="0" smtClean="0">
-                <a:solidFill>
-                  <a:schemeClr val="bg1">
-                    <a:lumMod val="95000"/>
-                  </a:schemeClr>
-                </a:solidFill>
-              </a:rPr>
-              <a:t>= new </a:t>
-            </a:r>
-            <a:r>
-              <a:rPr lang="en-US" dirty="0" err="1" smtClean="0">
-                <a:solidFill>
-                  <a:schemeClr val="bg1">
-                    <a:lumMod val="95000"/>
-                  </a:schemeClr>
-                </a:solidFill>
-              </a:rPr>
-              <a:t>int</a:t>
-            </a:r>
-            <a:r>
-              <a:rPr lang="en-US" dirty="0" smtClean="0">
-                <a:solidFill>
-                  <a:schemeClr val="bg1">
-                    <a:lumMod val="95000"/>
-                  </a:schemeClr>
-                </a:solidFill>
-              </a:rPr>
-              <a:t>[5][3];</a:t>
+              <a:t>[5,3];</a:t>
             </a:r>
           </a:p>
           <a:p>
@@ -8393,14 +8247,20 @@
               <a:buNone/>
             </a:pPr>
             <a:r>
-              <a:rPr lang="en-US" dirty="0" err="1" smtClean="0">
-                <a:solidFill>
-                  <a:schemeClr val="bg1">
-                    <a:lumMod val="95000"/>
-                  </a:schemeClr>
-                </a:solidFill>
-              </a:rPr>
-              <a:t>matrix.length</a:t>
+              <a:rPr lang="en-US" dirty="0" err="1">
+                <a:solidFill>
+                  <a:schemeClr val="bg1"/>
+                </a:solidFill>
+              </a:rPr>
+              <a:t>matrix.GetLength</a:t>
+            </a:r>
+            <a:r>
+              <a:rPr lang="en-US" dirty="0">
+                <a:solidFill>
+                  <a:schemeClr val="bg1"/>
+                </a:solidFill>
+              </a:rPr>
+              <a:t>(0)</a:t>
             </a:r>
             <a:r>
               <a:rPr lang="en-US" dirty="0" smtClean="0">
@@ -8445,21 +8305,25 @@
               <a:buNone/>
             </a:pPr>
             <a:r>
+              <a:rPr lang="en-US" dirty="0" err="1" smtClean="0">
+                <a:solidFill>
+                  <a:schemeClr val="bg1"/>
+                </a:solidFill>
+              </a:rPr>
+              <a:t>matrix.GetLength</a:t>
+            </a:r>
+            <a:r>
               <a:rPr lang="en-US" dirty="0" smtClean="0">
                 <a:solidFill>
-                  <a:schemeClr val="bg1">
-                    <a:lumMod val="95000"/>
-                  </a:schemeClr>
-                </a:solidFill>
-              </a:rPr>
-              <a:t>matrix[</a:t>
+                  <a:schemeClr val="bg1"/>
+                </a:solidFill>
+              </a:rPr>
+              <a:t>(</a:t>
             </a:r>
             <a:r>
               <a:rPr lang="en-US" dirty="0" err="1" smtClean="0">
                 <a:solidFill>
-                  <a:schemeClr val="bg1">
-                    <a:lumMod val="95000"/>
-                  </a:schemeClr>
+                  <a:schemeClr val="bg1"/>
                 </a:solidFill>
               </a:rPr>
               <a:t>i</a:t>
@@ -8467,22 +8331,10 @@
             <a:r>
               <a:rPr lang="en-US" dirty="0" smtClean="0">
                 <a:solidFill>
-                  <a:schemeClr val="bg1">
-                    <a:lumMod val="95000"/>
-                  </a:schemeClr>
-                </a:solidFill>
-              </a:rPr>
-              <a:t>].</a:t>
-            </a:r>
-            <a:r>
-              <a:rPr lang="en-US" dirty="0">
-                <a:solidFill>
-                  <a:schemeClr val="bg1">
-                    <a:lumMod val="95000"/>
-                  </a:schemeClr>
-                </a:solidFill>
-              </a:rPr>
-              <a:t>length</a:t>
+                  <a:schemeClr val="bg1"/>
+                </a:solidFill>
+              </a:rPr>
+              <a:t>)</a:t>
             </a:r>
             <a:r>
               <a:rPr lang="bg-BG" dirty="0" smtClean="0">
@@ -8492,7 +8344,7 @@
                   </a:schemeClr>
                 </a:solidFill>
               </a:rPr>
-              <a:t> – връща дължината на </a:t>
+              <a:t>– връща дължината на </a:t>
             </a:r>
             <a:r>
               <a:rPr lang="en-US" dirty="0" err="1" smtClean="0">
@@ -9481,7 +9333,7 @@
               <a:buChar char="§"/>
             </a:pPr>
             <a:r>
-              <a:rPr lang="bg-BG" sz="2400" dirty="0">
+              <a:rPr lang="bg-BG" sz="2800" dirty="0">
                 <a:solidFill>
                   <a:schemeClr val="bg1">
                     <a:lumMod val="95000"/>
@@ -9491,7 +9343,7 @@
               <a:t>Напишете </a:t>
             </a:r>
             <a:r>
-              <a:rPr lang="ru-RU" sz="2400" dirty="0" err="1" smtClean="0">
+              <a:rPr lang="ru-RU" sz="2800" dirty="0" err="1" smtClean="0">
                 <a:solidFill>
                   <a:schemeClr val="bg1">
                     <a:lumMod val="95000"/>
@@ -9501,7 +9353,7 @@
               <a:t>програма</a:t>
             </a:r>
             <a:r>
-              <a:rPr lang="ru-RU" sz="2400" dirty="0">
+              <a:rPr lang="ru-RU" sz="2800" dirty="0">
                 <a:solidFill>
                   <a:schemeClr val="bg1">
                     <a:lumMod val="95000"/>
@@ -9511,7 +9363,7 @@
               <a:t>, </a:t>
             </a:r>
             <a:r>
-              <a:rPr lang="ru-RU" sz="2400" dirty="0" err="1">
+              <a:rPr lang="ru-RU" sz="2800" dirty="0" err="1">
                 <a:solidFill>
                   <a:schemeClr val="bg1">
                     <a:lumMod val="95000"/>
@@ -9521,7 +9373,7 @@
               <a:t>която</a:t>
             </a:r>
             <a:r>
-              <a:rPr lang="ru-RU" sz="2400" dirty="0">
+              <a:rPr lang="ru-RU" sz="2800" dirty="0">
                 <a:solidFill>
                   <a:schemeClr val="bg1">
                     <a:lumMod val="95000"/>
@@ -9531,7 +9383,7 @@
               <a:t> приема от </a:t>
             </a:r>
             <a:r>
-              <a:rPr lang="ru-RU" sz="2400" dirty="0" err="1">
+              <a:rPr lang="ru-RU" sz="2800" dirty="0" err="1">
                 <a:solidFill>
                   <a:schemeClr val="bg1">
                     <a:lumMod val="95000"/>
@@ -9541,7 +9393,7 @@
               <a:t>конзолата</a:t>
             </a:r>
             <a:r>
-              <a:rPr lang="ru-RU" sz="2400" dirty="0">
+              <a:rPr lang="ru-RU" sz="2800" dirty="0">
                 <a:solidFill>
                   <a:schemeClr val="bg1">
                     <a:lumMod val="95000"/>
@@ -9551,7 +9403,7 @@
               <a:t> 2 числа </a:t>
             </a:r>
             <a:r>
-              <a:rPr lang="en-US" sz="2400" dirty="0" smtClean="0">
+              <a:rPr lang="en-US" sz="2800" dirty="0" smtClean="0">
                 <a:solidFill>
                   <a:schemeClr val="bg1">
                     <a:lumMod val="95000"/>
@@ -9561,7 +9413,7 @@
               <a:t>a</a:t>
             </a:r>
             <a:r>
-              <a:rPr lang="ru-RU" sz="2400" dirty="0" smtClean="0">
+              <a:rPr lang="ru-RU" sz="2800" dirty="0" smtClean="0">
                 <a:solidFill>
                   <a:schemeClr val="bg1">
                     <a:lumMod val="95000"/>
@@ -9571,7 +9423,7 @@
               <a:t> </a:t>
             </a:r>
             <a:r>
-              <a:rPr lang="ru-RU" sz="2400" dirty="0">
+              <a:rPr lang="ru-RU" sz="2800" dirty="0">
                 <a:solidFill>
                   <a:schemeClr val="bg1">
                     <a:lumMod val="95000"/>
@@ -9581,7 +9433,7 @@
               <a:t>и b </a:t>
             </a:r>
             <a:r>
-              <a:rPr lang="ru-RU" sz="2400" dirty="0" smtClean="0">
+              <a:rPr lang="ru-RU" sz="2800" dirty="0" smtClean="0">
                 <a:solidFill>
                   <a:schemeClr val="bg1">
                     <a:lumMod val="95000"/>
@@ -9591,7 +9443,7 @@
               <a:t>(</a:t>
             </a:r>
             <a:r>
-              <a:rPr lang="en-US" sz="2400" dirty="0" smtClean="0">
+              <a:rPr lang="en-US" sz="2800" dirty="0" smtClean="0">
                 <a:solidFill>
                   <a:schemeClr val="bg1">
                     <a:lumMod val="95000"/>
@@ -9601,7 +9453,7 @@
               <a:t>b</a:t>
             </a:r>
             <a:r>
-              <a:rPr lang="ru-RU" sz="2400" dirty="0" smtClean="0">
+              <a:rPr lang="ru-RU" sz="2800" dirty="0" smtClean="0">
                 <a:solidFill>
                   <a:schemeClr val="bg1">
                     <a:lumMod val="95000"/>
@@ -9611,7 +9463,7 @@
               <a:t> </a:t>
             </a:r>
             <a:r>
-              <a:rPr lang="ru-RU" sz="2400" dirty="0">
+              <a:rPr lang="ru-RU" sz="2800" dirty="0">
                 <a:solidFill>
                   <a:schemeClr val="bg1">
                     <a:lumMod val="95000"/>
@@ -9621,7 +9473,7 @@
               <a:t>&gt; </a:t>
             </a:r>
             <a:r>
-              <a:rPr lang="en-US" sz="2400" dirty="0" smtClean="0">
+              <a:rPr lang="en-US" sz="2800" dirty="0" smtClean="0">
                 <a:solidFill>
                   <a:schemeClr val="bg1">
                     <a:lumMod val="95000"/>
@@ -9631,7 +9483,7 @@
               <a:t>a</a:t>
             </a:r>
             <a:r>
-              <a:rPr lang="ru-RU" sz="2400" dirty="0" smtClean="0">
+              <a:rPr lang="ru-RU" sz="2800" dirty="0" smtClean="0">
                 <a:solidFill>
                   <a:schemeClr val="bg1">
                     <a:lumMod val="95000"/>
@@ -9641,7 +9493,7 @@
               <a:t>) </a:t>
             </a:r>
             <a:r>
-              <a:rPr lang="ru-RU" sz="2400" dirty="0">
+              <a:rPr lang="ru-RU" sz="2800" dirty="0">
                 <a:solidFill>
                   <a:schemeClr val="bg1">
                     <a:lumMod val="95000"/>
@@ -9651,7 +9503,7 @@
               <a:t>и </a:t>
             </a:r>
             <a:r>
-              <a:rPr lang="ru-RU" sz="2400" dirty="0" err="1">
+              <a:rPr lang="ru-RU" sz="2800" dirty="0" err="1">
                 <a:solidFill>
                   <a:schemeClr val="bg1">
                     <a:lumMod val="95000"/>
@@ -9661,7 +9513,7 @@
               <a:t>изкарва</a:t>
             </a:r>
             <a:r>
-              <a:rPr lang="ru-RU" sz="2400" dirty="0">
+              <a:rPr lang="ru-RU" sz="2800" dirty="0">
                 <a:solidFill>
                   <a:schemeClr val="bg1">
                     <a:lumMod val="95000"/>
@@ -9671,7 +9523,7 @@
               <a:t> на </a:t>
             </a:r>
             <a:r>
-              <a:rPr lang="ru-RU" sz="2400" dirty="0" err="1">
+              <a:rPr lang="ru-RU" sz="2800" dirty="0" err="1">
                 <a:solidFill>
                   <a:schemeClr val="bg1">
                     <a:lumMod val="95000"/>
@@ -9681,7 +9533,7 @@
               <a:t>екрана</a:t>
             </a:r>
             <a:r>
-              <a:rPr lang="ru-RU" sz="2400" dirty="0">
+              <a:rPr lang="ru-RU" sz="2800" dirty="0">
                 <a:solidFill>
                   <a:schemeClr val="bg1">
                     <a:lumMod val="95000"/>
@@ -9691,7 +9543,7 @@
               <a:t> </a:t>
             </a:r>
             <a:r>
-              <a:rPr lang="ru-RU" sz="2400" dirty="0" err="1">
+              <a:rPr lang="ru-RU" sz="2800" dirty="0" err="1">
                 <a:solidFill>
                   <a:schemeClr val="bg1">
                     <a:lumMod val="95000"/>
@@ -9701,7 +9553,7 @@
               <a:t>всички</a:t>
             </a:r>
             <a:r>
-              <a:rPr lang="ru-RU" sz="2400" dirty="0">
+              <a:rPr lang="ru-RU" sz="2800" dirty="0">
                 <a:solidFill>
                   <a:schemeClr val="bg1">
                     <a:lumMod val="95000"/>
@@ -9711,7 +9563,7 @@
               <a:t> числа от </a:t>
             </a:r>
             <a:r>
-              <a:rPr lang="en-US" sz="2400" dirty="0" smtClean="0">
+              <a:rPr lang="en-US" sz="2800" dirty="0" smtClean="0">
                 <a:solidFill>
                   <a:schemeClr val="bg1">
                     <a:lumMod val="95000"/>
@@ -9721,7 +9573,7 @@
               <a:t>a</a:t>
             </a:r>
             <a:r>
-              <a:rPr lang="ru-RU" sz="2400" dirty="0" smtClean="0">
+              <a:rPr lang="ru-RU" sz="2800" dirty="0" smtClean="0">
                 <a:solidFill>
                   <a:schemeClr val="bg1">
                     <a:lumMod val="95000"/>
@@ -9731,7 +9583,7 @@
               <a:t> </a:t>
             </a:r>
             <a:r>
-              <a:rPr lang="ru-RU" sz="2400" dirty="0">
+              <a:rPr lang="ru-RU" sz="2800" dirty="0">
                 <a:solidFill>
                   <a:schemeClr val="bg1">
                     <a:lumMod val="95000"/>
@@ -9741,7 +9593,7 @@
               <a:t>до </a:t>
             </a:r>
             <a:r>
-              <a:rPr lang="en-US" sz="2400" dirty="0" smtClean="0">
+              <a:rPr lang="en-US" sz="2800" dirty="0" smtClean="0">
                 <a:solidFill>
                   <a:schemeClr val="bg1">
                     <a:lumMod val="95000"/>
@@ -9751,7 +9603,7 @@
               <a:t>b</a:t>
             </a:r>
             <a:r>
-              <a:rPr lang="bg-BG" sz="2400" dirty="0" smtClean="0">
+              <a:rPr lang="bg-BG" sz="2800" dirty="0" smtClean="0">
                 <a:solidFill>
                   <a:schemeClr val="bg1">
                     <a:lumMod val="95000"/>
@@ -9761,7 +9613,7 @@
               <a:t>,</a:t>
             </a:r>
             <a:r>
-              <a:rPr lang="ru-RU" sz="2400" dirty="0" smtClean="0">
+              <a:rPr lang="ru-RU" sz="2800" dirty="0" smtClean="0">
                 <a:solidFill>
                   <a:schemeClr val="bg1">
                     <a:lumMod val="95000"/>
@@ -9771,7 +9623,7 @@
               <a:t> </a:t>
             </a:r>
             <a:r>
-              <a:rPr lang="ru-RU" sz="2400" dirty="0" err="1">
+              <a:rPr lang="ru-RU" sz="2800" dirty="0" err="1">
                 <a:solidFill>
                   <a:schemeClr val="bg1">
                     <a:lumMod val="95000"/>
@@ -9781,7 +9633,7 @@
               <a:t>които</a:t>
             </a:r>
             <a:r>
-              <a:rPr lang="ru-RU" sz="2400" dirty="0">
+              <a:rPr lang="ru-RU" sz="2800" dirty="0">
                 <a:solidFill>
                   <a:schemeClr val="bg1">
                     <a:lumMod val="95000"/>
@@ -9791,7 +9643,7 @@
               <a:t> се делят на 3 без </a:t>
             </a:r>
             <a:r>
-              <a:rPr lang="ru-RU" sz="2400" dirty="0" err="1">
+              <a:rPr lang="ru-RU" sz="2800" dirty="0" err="1">
                 <a:solidFill>
                   <a:schemeClr val="bg1">
                     <a:lumMod val="95000"/>
@@ -9800,7 +9652,7 @@
               </a:rPr>
               <a:t>остатък</a:t>
             </a:r>
-            <a:endParaRPr lang="ru-RU" sz="2400" dirty="0">
+            <a:endParaRPr lang="ru-RU" sz="2800" dirty="0">
               <a:solidFill>
                 <a:schemeClr val="bg1">
                   <a:lumMod val="95000"/>
@@ -9814,7 +9666,7 @@
               <a:buChar char="§"/>
             </a:pPr>
             <a:r>
-              <a:rPr lang="bg-BG" sz="2400" dirty="0">
+              <a:rPr lang="bg-BG" sz="2800" dirty="0">
                 <a:solidFill>
                   <a:schemeClr val="bg1">
                     <a:lumMod val="95000"/>
@@ -9824,7 +9676,7 @@
               <a:t>Напишете </a:t>
             </a:r>
             <a:r>
-              <a:rPr lang="ru-RU" sz="2400" dirty="0" err="1" smtClean="0">
+              <a:rPr lang="ru-RU" sz="2800" dirty="0" err="1" smtClean="0">
                 <a:solidFill>
                   <a:schemeClr val="bg1">
                     <a:lumMod val="95000"/>
@@ -9834,7 +9686,7 @@
               <a:t>програма</a:t>
             </a:r>
             <a:r>
-              <a:rPr lang="ru-RU" sz="2400" dirty="0">
+              <a:rPr lang="ru-RU" sz="2800" dirty="0">
                 <a:solidFill>
                   <a:schemeClr val="bg1">
                     <a:lumMod val="95000"/>
@@ -9844,7 +9696,7 @@
               <a:t>, </a:t>
             </a:r>
             <a:r>
-              <a:rPr lang="ru-RU" sz="2400" dirty="0" err="1">
+              <a:rPr lang="ru-RU" sz="2800" dirty="0" err="1">
                 <a:solidFill>
                   <a:schemeClr val="bg1">
                     <a:lumMod val="95000"/>
@@ -9854,7 +9706,7 @@
               <a:t>която</a:t>
             </a:r>
             <a:r>
-              <a:rPr lang="ru-RU" sz="2400" dirty="0">
+              <a:rPr lang="ru-RU" sz="2800" dirty="0">
                 <a:solidFill>
                   <a:schemeClr val="bg1">
                     <a:lumMod val="95000"/>
@@ -9864,7 +9716,7 @@
               <a:t> </a:t>
             </a:r>
             <a:r>
-              <a:rPr lang="ru-RU" sz="2400" dirty="0" err="1">
+              <a:rPr lang="ru-RU" sz="2800" dirty="0" err="1">
                 <a:solidFill>
                   <a:schemeClr val="bg1">
                     <a:lumMod val="95000"/>
@@ -9874,7 +9726,7 @@
               <a:t>принтира</a:t>
             </a:r>
             <a:r>
-              <a:rPr lang="ru-RU" sz="2400" dirty="0">
+              <a:rPr lang="ru-RU" sz="2800" dirty="0">
                 <a:solidFill>
                   <a:schemeClr val="bg1">
                     <a:lumMod val="95000"/>
@@ -9884,7 +9736,7 @@
               <a:t> на </a:t>
             </a:r>
             <a:r>
-              <a:rPr lang="ru-RU" sz="2400" dirty="0" err="1">
+              <a:rPr lang="ru-RU" sz="2800" dirty="0" err="1">
                 <a:solidFill>
                   <a:schemeClr val="bg1">
                     <a:lumMod val="95000"/>
@@ -9894,7 +9746,7 @@
               <a:t>екрана</a:t>
             </a:r>
             <a:r>
-              <a:rPr lang="ru-RU" sz="2400" dirty="0">
+              <a:rPr lang="ru-RU" sz="2800" dirty="0">
                 <a:solidFill>
                   <a:schemeClr val="bg1">
                     <a:lumMod val="95000"/>
@@ -9904,7 +9756,7 @@
               <a:t> </a:t>
             </a:r>
             <a:r>
-              <a:rPr lang="ru-RU" sz="2400" dirty="0" err="1">
+              <a:rPr lang="ru-RU" sz="2800" dirty="0" err="1">
                 <a:solidFill>
                   <a:schemeClr val="bg1">
                     <a:lumMod val="95000"/>
@@ -9914,7 +9766,7 @@
               <a:t>числата</a:t>
             </a:r>
             <a:r>
-              <a:rPr lang="ru-RU" sz="2400" dirty="0">
+              <a:rPr lang="ru-RU" sz="2800" dirty="0">
                 <a:solidFill>
                   <a:schemeClr val="bg1">
                     <a:lumMod val="95000"/>
@@ -9924,7 +9776,7 @@
               <a:t> от 30 до 1 в обратен </a:t>
             </a:r>
             <a:r>
-              <a:rPr lang="ru-RU" sz="2400" dirty="0" err="1" smtClean="0">
+              <a:rPr lang="ru-RU" sz="2800" dirty="0" err="1" smtClean="0">
                 <a:solidFill>
                   <a:schemeClr val="bg1">
                     <a:lumMod val="95000"/>
@@ -9934,7 +9786,7 @@
               <a:t>ред</a:t>
             </a:r>
             <a:r>
-              <a:rPr lang="ru-RU" sz="2400" dirty="0" smtClean="0">
+              <a:rPr lang="ru-RU" sz="2800" dirty="0" smtClean="0">
                 <a:solidFill>
                   <a:schemeClr val="bg1">
                     <a:lumMod val="95000"/>
@@ -9944,7 +9796,7 @@
               <a:t>, </a:t>
             </a:r>
             <a:r>
-              <a:rPr lang="ru-RU" sz="2400" dirty="0" err="1">
+              <a:rPr lang="ru-RU" sz="2800" dirty="0" err="1">
                 <a:solidFill>
                   <a:schemeClr val="bg1">
                     <a:lumMod val="95000"/>
@@ -9954,7 +9806,7 @@
               <a:t>подредени</a:t>
             </a:r>
             <a:r>
-              <a:rPr lang="ru-RU" sz="2400" dirty="0">
+              <a:rPr lang="ru-RU" sz="2800" dirty="0">
                 <a:solidFill>
                   <a:schemeClr val="bg1">
                     <a:lumMod val="95000"/>
@@ -9964,7 +9816,7 @@
               <a:t> в 5 </a:t>
             </a:r>
             <a:r>
-              <a:rPr lang="ru-RU" sz="2400" dirty="0" err="1">
+              <a:rPr lang="ru-RU" sz="2800" dirty="0" err="1">
                 <a:solidFill>
                   <a:schemeClr val="bg1">
                     <a:lumMod val="95000"/>
@@ -9974,7 +9826,7 @@
               <a:t>реда</a:t>
             </a:r>
             <a:r>
-              <a:rPr lang="ru-RU" sz="2400" dirty="0">
+              <a:rPr lang="ru-RU" sz="2800" dirty="0">
                 <a:solidFill>
                   <a:schemeClr val="bg1">
                     <a:lumMod val="95000"/>
@@ -9985,135 +9837,8 @@
             </a:r>
           </a:p>
           <a:p>
-            <a:pPr>
-              <a:buFont typeface="Wingdings" panose="05000000000000000000" pitchFamily="2" charset="2"/>
-              <a:buChar char="§"/>
-            </a:pPr>
-            <a:r>
-              <a:rPr lang="bg-BG" sz="2400" dirty="0">
-                <a:solidFill>
-                  <a:schemeClr val="bg1">
-                    <a:lumMod val="95000"/>
-                  </a:schemeClr>
-                </a:solidFill>
-              </a:rPr>
-              <a:t>Напишете програма, която претърсва масив чрез двоично търсене (</a:t>
-            </a:r>
-            <a:r>
-              <a:rPr lang="en-US" sz="2400" dirty="0">
-                <a:solidFill>
-                  <a:schemeClr val="bg1">
-                    <a:lumMod val="95000"/>
-                  </a:schemeClr>
-                </a:solidFill>
-              </a:rPr>
-              <a:t>binary search) </a:t>
-            </a:r>
-            <a:r>
-              <a:rPr lang="bg-BG" sz="2400" dirty="0">
-                <a:solidFill>
-                  <a:schemeClr val="bg1">
-                    <a:lumMod val="95000"/>
-                  </a:schemeClr>
-                </a:solidFill>
-              </a:rPr>
-              <a:t>и връща индекса на първото намерено число.</a:t>
-            </a:r>
-            <a:endParaRPr lang="ru-RU" sz="4400" dirty="0">
-              <a:solidFill>
-                <a:schemeClr val="bg1">
-                  <a:lumMod val="95000"/>
-                </a:schemeClr>
-              </a:solidFill>
-            </a:endParaRPr>
-          </a:p>
-          <a:p>
-            <a:pPr>
-              <a:buFont typeface="Wingdings" panose="05000000000000000000" pitchFamily="2" charset="2"/>
-              <a:buChar char="§"/>
-            </a:pPr>
-            <a:r>
-              <a:rPr lang="ru-RU" sz="2400" dirty="0">
-                <a:solidFill>
-                  <a:schemeClr val="bg1">
-                    <a:lumMod val="95000"/>
-                  </a:schemeClr>
-                </a:solidFill>
-              </a:rPr>
-              <a:t>Напишете </a:t>
-            </a:r>
-            <a:r>
-              <a:rPr lang="ru-RU" sz="2400" dirty="0" err="1">
-                <a:solidFill>
-                  <a:schemeClr val="bg1">
-                    <a:lumMod val="95000"/>
-                  </a:schemeClr>
-                </a:solidFill>
-              </a:rPr>
-              <a:t>програма</a:t>
-            </a:r>
-            <a:r>
-              <a:rPr lang="ru-RU" sz="2400" dirty="0">
-                <a:solidFill>
-                  <a:schemeClr val="bg1">
-                    <a:lumMod val="95000"/>
-                  </a:schemeClr>
-                </a:solidFill>
-              </a:rPr>
-              <a:t>, </a:t>
-            </a:r>
-            <a:r>
-              <a:rPr lang="ru-RU" sz="2400" dirty="0" err="1">
-                <a:solidFill>
-                  <a:schemeClr val="bg1">
-                    <a:lumMod val="95000"/>
-                  </a:schemeClr>
-                </a:solidFill>
-              </a:rPr>
-              <a:t>която</a:t>
-            </a:r>
-            <a:r>
-              <a:rPr lang="ru-RU" sz="2400" dirty="0">
-                <a:solidFill>
-                  <a:schemeClr val="bg1">
-                    <a:lumMod val="95000"/>
-                  </a:schemeClr>
-                </a:solidFill>
-              </a:rPr>
-              <a:t> </a:t>
-            </a:r>
-            <a:r>
-              <a:rPr lang="bg-BG" sz="2400" dirty="0">
-                <a:solidFill>
-                  <a:schemeClr val="bg1">
-                    <a:lumMod val="95000"/>
-                  </a:schemeClr>
-                </a:solidFill>
-              </a:rPr>
-              <a:t>сортира масив по метода на мехурчето (</a:t>
-            </a:r>
-            <a:r>
-              <a:rPr lang="en-US" sz="2400" dirty="0">
-                <a:solidFill>
-                  <a:schemeClr val="bg1">
-                    <a:lumMod val="95000"/>
-                  </a:schemeClr>
-                </a:solidFill>
-              </a:rPr>
-              <a:t>bubble sort)</a:t>
-            </a:r>
-            <a:endParaRPr lang="en-US" sz="4400" dirty="0">
-              <a:solidFill>
-                <a:schemeClr val="bg1">
-                  <a:lumMod val="95000"/>
-                </a:schemeClr>
-              </a:solidFill>
-            </a:endParaRPr>
-          </a:p>
-          <a:p>
-            <a:pPr>
-              <a:buFont typeface="Wingdings" panose="05000000000000000000" pitchFamily="2" charset="2"/>
-              <a:buChar char="§"/>
+            <a:pPr marL="0" indent="0">
+              <a:buNone/>
             </a:pPr>
             <a:endParaRPr lang="en-US" sz="2000" dirty="0" smtClean="0">
               <a:solidFill>
@@ -10744,7 +10469,17 @@
                   </a:schemeClr>
                 </a:solidFill>
               </a:rPr>
-              <a:t>Напишете програма, която попълва квадратна матрица: първо вертикално, след това хоризонтално. Потребителя въвежда размерност на матрицата.</a:t>
+              <a:t>Напишете </a:t>
+            </a:r>
+            <a:r>
+              <a:rPr lang="bg-BG" sz="2000" dirty="0" smtClean="0">
+                <a:solidFill>
+                  <a:schemeClr val="bg1">
+                    <a:lumMod val="95000"/>
+                  </a:schemeClr>
+                </a:solidFill>
+              </a:rPr>
+              <a:t>програма, която попълва квадратна матрица: първо вертикално, след това хоризонтално. Потребителя въвежда размерност на матрицата.</a:t>
             </a:r>
           </a:p>
           <a:p>
@@ -10967,6 +10702,16 @@
               <a:buChar char="§"/>
             </a:pPr>
             <a:r>
+              <a:rPr lang="bg-BG" sz="2000" smtClean="0">
+                <a:solidFill>
+                  <a:schemeClr val="bg1">
+                    <a:lumMod val="95000"/>
+                  </a:schemeClr>
+                </a:solidFill>
+              </a:rPr>
+              <a:t>Напишете </a:t>
+            </a:r>
+            <a:r>
               <a:rPr lang="bg-BG" sz="2000" dirty="0" smtClean="0">
                 <a:solidFill>
                   <a:schemeClr val="bg1">
@@ -10974,7 +10719,7 @@
                   </a:schemeClr>
                 </a:solidFill>
               </a:rPr>
-              <a:t>Напишете програма, която попълва квадратна матрица спираловидно по посока на часовниковата страна. Потребителя въвежда размерност на матрицата.</a:t>
+              <a:t>програма, която попълва квадратна матрица спираловидно по посока на часовниковата страна. Потребителя въвежда размерност на матрицата.</a:t>
             </a:r>
           </a:p>
           <a:p>
@@ -11826,7 +11571,49 @@
                   </a:schemeClr>
                 </a:solidFill>
               </a:rPr>
-              <a:t> = {1, 2, 3, 4, 5, 6};</a:t>
+              <a:t> =</a:t>
+            </a:r>
+            <a:r>
+              <a:rPr lang="en-US" dirty="0" smtClean="0">
+                <a:solidFill>
+                  <a:schemeClr val="bg1"/>
+                </a:solidFill>
+              </a:rPr>
+              <a:t> </a:t>
+            </a:r>
+            <a:r>
+              <a:rPr lang="en-US" dirty="0">
+                <a:solidFill>
+                  <a:schemeClr val="bg1"/>
+                </a:solidFill>
+              </a:rPr>
+              <a:t>new </a:t>
+            </a:r>
+            <a:r>
+              <a:rPr lang="en-US" dirty="0" err="1">
+                <a:solidFill>
+                  <a:schemeClr val="bg1"/>
+                </a:solidFill>
+              </a:rPr>
+              <a:t>int</a:t>
+            </a:r>
+            <a:r>
+              <a:rPr lang="en-US" dirty="0" smtClean="0">
+                <a:solidFill>
+                  <a:schemeClr val="bg1"/>
+                </a:solidFill>
+              </a:rPr>
+              <a:t>[] </a:t>
+            </a:r>
+            <a:r>
+              <a:rPr lang="en-US" dirty="0" smtClean="0">
+                <a:solidFill>
+                  <a:schemeClr val="bg1">
+                    <a:lumMod val="95000"/>
+                  </a:schemeClr>
+                </a:solidFill>
+              </a:rPr>
+              <a:t>{1, 2, 3, 4, 5, 6};</a:t>
             </a:r>
             <a:endParaRPr lang="ru-RU" dirty="0" smtClean="0">
               <a:solidFill>

--- a/05-Arrays.pptx
+++ b/05-Arrays.pptx
@@ -8692,25 +8692,8 @@
                   </a:schemeClr>
                 </a:solidFill>
               </a:rPr>
-              <a:t>Обходете повторно матрицата и умножете всички нечетни числа по 2, така че всички числа да станат </a:t>
-            </a:r>
-            <a:r>
-              <a:rPr lang="bg-BG" smtClean="0">
-                <a:solidFill>
-                  <a:schemeClr val="bg1">
-                    <a:lumMod val="95000"/>
-                  </a:schemeClr>
-                </a:solidFill>
-              </a:rPr>
-              <a:t>четни или 0.</a:t>
-            </a:r>
-            <a:endParaRPr lang="bg-BG" dirty="0" smtClean="0">
-              <a:solidFill>
-                <a:schemeClr val="bg1">
-                  <a:lumMod val="95000"/>
-                </a:schemeClr>
-              </a:solidFill>
-            </a:endParaRPr>
+              <a:t>Обходете повторно матрицата и умножете всички нечетни числа по 2, така че всички числа да станат четни или 0.</a:t>
+            </a:r>
           </a:p>
         </p:txBody>
       </p:sp>
@@ -8914,6 +8897,13 @@
   <p:clrMapOvr>
     <a:masterClrMapping/>
   </p:clrMapOvr>
+  <p:timing>
+    <p:tnLst>
+      <p:par>
+        <p:cTn id="1" dur="indefinite" restart="never" nodeType="tmRoot"/>
+      </p:par>
+    </p:tnLst>
+  </p:timing>
 </p:sld>
 </file>
 
@@ -10469,17 +10459,7 @@
                   </a:schemeClr>
                 </a:solidFill>
               </a:rPr>
-              <a:t>Напишете </a:t>
-            </a:r>
-            <a:r>
-              <a:rPr lang="bg-BG" sz="2000" dirty="0" smtClean="0">
-                <a:solidFill>
-                  <a:schemeClr val="bg1">
-                    <a:lumMod val="95000"/>
-                  </a:schemeClr>
-                </a:solidFill>
-              </a:rPr>
-              <a:t>програма, която попълва квадратна матрица: първо вертикално, след това хоризонтално. Потребителя въвежда размерност на матрицата.</a:t>
+              <a:t>Напишете програма, която попълва квадратна матрица: първо вертикално, след това хоризонтално. Потребителя въвежда размерност на матрицата.</a:t>
             </a:r>
           </a:p>
           <a:p>
@@ -10702,7 +10682,15 @@
               <a:buChar char="§"/>
             </a:pPr>
             <a:r>
-              <a:rPr lang="bg-BG" sz="2000" smtClean="0">
+              <a:rPr lang="en-US" sz="2000" dirty="0" smtClean="0">
+                <a:solidFill>
+                  <a:srgbClr val="FF0000"/>
+                </a:solidFill>
+              </a:rPr>
+              <a:t>*</a:t>
+            </a:r>
+            <a:r>
+              <a:rPr lang="bg-BG" sz="2000" dirty="0" smtClean="0">
                 <a:solidFill>
                   <a:schemeClr val="bg1">
                     <a:lumMod val="95000"/>
